--- a/ppt 16-9/0611.我只要主耶稣.pptx
+++ b/ppt 16-9/0611.我只要主耶稣.pptx
@@ -129,7 +129,7 @@
           <p:cNvPr id="2" name="标题 1">
             <a:extLst>
               <a:ext uri="{FF2B5EF4-FFF2-40B4-BE49-F238E27FC236}">
-                <a16:creationId xmlns:a16="http://schemas.microsoft.com/office/drawing/2014/main" id="{20202798-A857-0DEB-5EB8-FBEA780AA204}"/>
+                <a16:creationId xmlns:a16="http://schemas.microsoft.com/office/drawing/2014/main" id="{CF83BB78-3386-FEF3-0087-DED1B70B2B6F}"/>
               </a:ext>
             </a:extLst>
           </p:cNvPr>
@@ -166,7 +166,7 @@
           <p:cNvPr id="3" name="副标题 2">
             <a:extLst>
               <a:ext uri="{FF2B5EF4-FFF2-40B4-BE49-F238E27FC236}">
-                <a16:creationId xmlns:a16="http://schemas.microsoft.com/office/drawing/2014/main" id="{B4EA379B-6758-2450-2700-72F2948F4265}"/>
+                <a16:creationId xmlns:a16="http://schemas.microsoft.com/office/drawing/2014/main" id="{75729B8B-44AF-5353-BD2A-EB79AA781886}"/>
               </a:ext>
             </a:extLst>
           </p:cNvPr>
@@ -236,7 +236,7 @@
           <p:cNvPr id="4" name="日期占位符 3">
             <a:extLst>
               <a:ext uri="{FF2B5EF4-FFF2-40B4-BE49-F238E27FC236}">
-                <a16:creationId xmlns:a16="http://schemas.microsoft.com/office/drawing/2014/main" id="{A1F54DE3-E03E-7A65-3B1E-546F13759382}"/>
+                <a16:creationId xmlns:a16="http://schemas.microsoft.com/office/drawing/2014/main" id="{683F1DD0-9572-3CD3-7685-F193384D93ED}"/>
               </a:ext>
             </a:extLst>
           </p:cNvPr>
@@ -252,7 +252,7 @@
           <a:bodyPr/>
           <a:lstStyle/>
           <a:p>
-            <a:fld id="{B095B97A-5A1E-480D-8FE2-1B76FDBCC77A}" type="datetimeFigureOut">
+            <a:fld id="{1334D18F-C1DC-43AE-9E61-E629744312C3}" type="datetimeFigureOut">
               <a:rPr lang="zh-CN" altLang="en-US" smtClean="0"/>
               <a:t>2024/3/10</a:t>
             </a:fld>
@@ -265,7 +265,7 @@
           <p:cNvPr id="5" name="页脚占位符 4">
             <a:extLst>
               <a:ext uri="{FF2B5EF4-FFF2-40B4-BE49-F238E27FC236}">
-                <a16:creationId xmlns:a16="http://schemas.microsoft.com/office/drawing/2014/main" id="{936309AF-630C-C9F6-5A0B-22F89C81C0B3}"/>
+                <a16:creationId xmlns:a16="http://schemas.microsoft.com/office/drawing/2014/main" id="{E29A31B9-7C60-C989-E81B-762180DA6083}"/>
               </a:ext>
             </a:extLst>
           </p:cNvPr>
@@ -290,7 +290,7 @@
           <p:cNvPr id="6" name="灯片编号占位符 5">
             <a:extLst>
               <a:ext uri="{FF2B5EF4-FFF2-40B4-BE49-F238E27FC236}">
-                <a16:creationId xmlns:a16="http://schemas.microsoft.com/office/drawing/2014/main" id="{59F1DCEE-09A9-0ECB-4FEE-89EDAF40591B}"/>
+                <a16:creationId xmlns:a16="http://schemas.microsoft.com/office/drawing/2014/main" id="{1E38BCA0-4475-4011-827D-3C038ABC0886}"/>
               </a:ext>
             </a:extLst>
           </p:cNvPr>
@@ -306,7 +306,7 @@
           <a:bodyPr/>
           <a:lstStyle/>
           <a:p>
-            <a:fld id="{3D22117F-90AC-4E48-8E41-AAD90CE90F8B}" type="slidenum">
+            <a:fld id="{444F6F80-8035-4CD8-8F86-2DB254A67B9D}" type="slidenum">
               <a:rPr lang="zh-CN" altLang="en-US" smtClean="0"/>
               <a:t>‹#›</a:t>
             </a:fld>
@@ -317,7 +317,7 @@
     </p:spTree>
     <p:extLst>
       <p:ext uri="{BB962C8B-B14F-4D97-AF65-F5344CB8AC3E}">
-        <p14:creationId xmlns:p14="http://schemas.microsoft.com/office/powerpoint/2010/main" val="958006877"/>
+        <p14:creationId xmlns:p14="http://schemas.microsoft.com/office/powerpoint/2010/main" val="934304"/>
       </p:ext>
     </p:extLst>
   </p:cSld>
@@ -349,7 +349,7 @@
           <p:cNvPr id="2" name="标题 1">
             <a:extLst>
               <a:ext uri="{FF2B5EF4-FFF2-40B4-BE49-F238E27FC236}">
-                <a16:creationId xmlns:a16="http://schemas.microsoft.com/office/drawing/2014/main" id="{792AFD6B-A049-31D3-1326-58FAF02E5E8B}"/>
+                <a16:creationId xmlns:a16="http://schemas.microsoft.com/office/drawing/2014/main" id="{450BE4C9-5699-B6BC-213F-BC859F5DACCC}"/>
               </a:ext>
             </a:extLst>
           </p:cNvPr>
@@ -377,7 +377,7 @@
           <p:cNvPr id="3" name="竖排文字占位符 2">
             <a:extLst>
               <a:ext uri="{FF2B5EF4-FFF2-40B4-BE49-F238E27FC236}">
-                <a16:creationId xmlns:a16="http://schemas.microsoft.com/office/drawing/2014/main" id="{D066109A-0E8B-2151-D124-91F5481391D0}"/>
+                <a16:creationId xmlns:a16="http://schemas.microsoft.com/office/drawing/2014/main" id="{CE7EC2C7-0E40-4E24-48AE-07C30F60DEFF}"/>
               </a:ext>
             </a:extLst>
           </p:cNvPr>
@@ -434,7 +434,7 @@
           <p:cNvPr id="4" name="日期占位符 3">
             <a:extLst>
               <a:ext uri="{FF2B5EF4-FFF2-40B4-BE49-F238E27FC236}">
-                <a16:creationId xmlns:a16="http://schemas.microsoft.com/office/drawing/2014/main" id="{999692BE-8639-7000-5168-5CFF186E12AB}"/>
+                <a16:creationId xmlns:a16="http://schemas.microsoft.com/office/drawing/2014/main" id="{161A1047-C295-640A-3AFB-7EFF19F51C1E}"/>
               </a:ext>
             </a:extLst>
           </p:cNvPr>
@@ -450,7 +450,7 @@
           <a:bodyPr/>
           <a:lstStyle/>
           <a:p>
-            <a:fld id="{B095B97A-5A1E-480D-8FE2-1B76FDBCC77A}" type="datetimeFigureOut">
+            <a:fld id="{1334D18F-C1DC-43AE-9E61-E629744312C3}" type="datetimeFigureOut">
               <a:rPr lang="zh-CN" altLang="en-US" smtClean="0"/>
               <a:t>2024/3/10</a:t>
             </a:fld>
@@ -463,7 +463,7 @@
           <p:cNvPr id="5" name="页脚占位符 4">
             <a:extLst>
               <a:ext uri="{FF2B5EF4-FFF2-40B4-BE49-F238E27FC236}">
-                <a16:creationId xmlns:a16="http://schemas.microsoft.com/office/drawing/2014/main" id="{708AACF8-0F76-BBD0-E1A2-74EE44F8F000}"/>
+                <a16:creationId xmlns:a16="http://schemas.microsoft.com/office/drawing/2014/main" id="{E768D74E-69D2-A0BB-5553-1A256B660728}"/>
               </a:ext>
             </a:extLst>
           </p:cNvPr>
@@ -488,7 +488,7 @@
           <p:cNvPr id="6" name="灯片编号占位符 5">
             <a:extLst>
               <a:ext uri="{FF2B5EF4-FFF2-40B4-BE49-F238E27FC236}">
-                <a16:creationId xmlns:a16="http://schemas.microsoft.com/office/drawing/2014/main" id="{47FB2B0A-BA77-FCDA-BF56-B76D8D942B5D}"/>
+                <a16:creationId xmlns:a16="http://schemas.microsoft.com/office/drawing/2014/main" id="{CE8A7737-8715-FE66-E6AB-10666552781D}"/>
               </a:ext>
             </a:extLst>
           </p:cNvPr>
@@ -504,7 +504,7 @@
           <a:bodyPr/>
           <a:lstStyle/>
           <a:p>
-            <a:fld id="{3D22117F-90AC-4E48-8E41-AAD90CE90F8B}" type="slidenum">
+            <a:fld id="{444F6F80-8035-4CD8-8F86-2DB254A67B9D}" type="slidenum">
               <a:rPr lang="zh-CN" altLang="en-US" smtClean="0"/>
               <a:t>‹#›</a:t>
             </a:fld>
@@ -515,7 +515,7 @@
     </p:spTree>
     <p:extLst>
       <p:ext uri="{BB962C8B-B14F-4D97-AF65-F5344CB8AC3E}">
-        <p14:creationId xmlns:p14="http://schemas.microsoft.com/office/powerpoint/2010/main" val="1720207542"/>
+        <p14:creationId xmlns:p14="http://schemas.microsoft.com/office/powerpoint/2010/main" val="4019522464"/>
       </p:ext>
     </p:extLst>
   </p:cSld>
@@ -547,7 +547,7 @@
           <p:cNvPr id="2" name="竖排标题 1">
             <a:extLst>
               <a:ext uri="{FF2B5EF4-FFF2-40B4-BE49-F238E27FC236}">
-                <a16:creationId xmlns:a16="http://schemas.microsoft.com/office/drawing/2014/main" id="{AA605C7C-C6BA-FC3C-BDD2-0DE074EAAE2B}"/>
+                <a16:creationId xmlns:a16="http://schemas.microsoft.com/office/drawing/2014/main" id="{B5A68BB6-F70B-1902-D408-35079CEFD472}"/>
               </a:ext>
             </a:extLst>
           </p:cNvPr>
@@ -580,7 +580,7 @@
           <p:cNvPr id="3" name="竖排文字占位符 2">
             <a:extLst>
               <a:ext uri="{FF2B5EF4-FFF2-40B4-BE49-F238E27FC236}">
-                <a16:creationId xmlns:a16="http://schemas.microsoft.com/office/drawing/2014/main" id="{F060951E-69EF-1BB6-D220-9C07F6A52BD1}"/>
+                <a16:creationId xmlns:a16="http://schemas.microsoft.com/office/drawing/2014/main" id="{E8E9CC52-DE57-41C6-4F52-511355A0FE5E}"/>
               </a:ext>
             </a:extLst>
           </p:cNvPr>
@@ -642,7 +642,7 @@
           <p:cNvPr id="4" name="日期占位符 3">
             <a:extLst>
               <a:ext uri="{FF2B5EF4-FFF2-40B4-BE49-F238E27FC236}">
-                <a16:creationId xmlns:a16="http://schemas.microsoft.com/office/drawing/2014/main" id="{547620A6-9D4B-E3C0-1ABB-AFC6C32FC279}"/>
+                <a16:creationId xmlns:a16="http://schemas.microsoft.com/office/drawing/2014/main" id="{6E6DF0FC-4F3F-57DF-061C-4BBE1600E6EE}"/>
               </a:ext>
             </a:extLst>
           </p:cNvPr>
@@ -658,7 +658,7 @@
           <a:bodyPr/>
           <a:lstStyle/>
           <a:p>
-            <a:fld id="{B095B97A-5A1E-480D-8FE2-1B76FDBCC77A}" type="datetimeFigureOut">
+            <a:fld id="{1334D18F-C1DC-43AE-9E61-E629744312C3}" type="datetimeFigureOut">
               <a:rPr lang="zh-CN" altLang="en-US" smtClean="0"/>
               <a:t>2024/3/10</a:t>
             </a:fld>
@@ -671,7 +671,7 @@
           <p:cNvPr id="5" name="页脚占位符 4">
             <a:extLst>
               <a:ext uri="{FF2B5EF4-FFF2-40B4-BE49-F238E27FC236}">
-                <a16:creationId xmlns:a16="http://schemas.microsoft.com/office/drawing/2014/main" id="{AAB1AE64-EDCA-945A-67BF-B2EC2F7886E9}"/>
+                <a16:creationId xmlns:a16="http://schemas.microsoft.com/office/drawing/2014/main" id="{1B9B1000-069B-46E1-339F-E33DCBCBC51B}"/>
               </a:ext>
             </a:extLst>
           </p:cNvPr>
@@ -696,7 +696,7 @@
           <p:cNvPr id="6" name="灯片编号占位符 5">
             <a:extLst>
               <a:ext uri="{FF2B5EF4-FFF2-40B4-BE49-F238E27FC236}">
-                <a16:creationId xmlns:a16="http://schemas.microsoft.com/office/drawing/2014/main" id="{309F64A3-9DAE-548A-0E57-36CA892B03D4}"/>
+                <a16:creationId xmlns:a16="http://schemas.microsoft.com/office/drawing/2014/main" id="{FB3A73DD-33B1-5459-A5F8-05D9E173884A}"/>
               </a:ext>
             </a:extLst>
           </p:cNvPr>
@@ -712,7 +712,7 @@
           <a:bodyPr/>
           <a:lstStyle/>
           <a:p>
-            <a:fld id="{3D22117F-90AC-4E48-8E41-AAD90CE90F8B}" type="slidenum">
+            <a:fld id="{444F6F80-8035-4CD8-8F86-2DB254A67B9D}" type="slidenum">
               <a:rPr lang="zh-CN" altLang="en-US" smtClean="0"/>
               <a:t>‹#›</a:t>
             </a:fld>
@@ -723,7 +723,7 @@
     </p:spTree>
     <p:extLst>
       <p:ext uri="{BB962C8B-B14F-4D97-AF65-F5344CB8AC3E}">
-        <p14:creationId xmlns:p14="http://schemas.microsoft.com/office/powerpoint/2010/main" val="300343197"/>
+        <p14:creationId xmlns:p14="http://schemas.microsoft.com/office/powerpoint/2010/main" val="4139823371"/>
       </p:ext>
     </p:extLst>
   </p:cSld>
@@ -755,7 +755,7 @@
           <p:cNvPr id="2" name="标题 1">
             <a:extLst>
               <a:ext uri="{FF2B5EF4-FFF2-40B4-BE49-F238E27FC236}">
-                <a16:creationId xmlns:a16="http://schemas.microsoft.com/office/drawing/2014/main" id="{700EBDDF-AD63-6ED2-9497-8243D378FDB8}"/>
+                <a16:creationId xmlns:a16="http://schemas.microsoft.com/office/drawing/2014/main" id="{2C9F59DD-E836-9C40-E98C-82F73764D5D1}"/>
               </a:ext>
             </a:extLst>
           </p:cNvPr>
@@ -783,7 +783,7 @@
           <p:cNvPr id="3" name="内容占位符 2">
             <a:extLst>
               <a:ext uri="{FF2B5EF4-FFF2-40B4-BE49-F238E27FC236}">
-                <a16:creationId xmlns:a16="http://schemas.microsoft.com/office/drawing/2014/main" id="{4935867D-AE95-E3E2-A169-5D746B60666A}"/>
+                <a16:creationId xmlns:a16="http://schemas.microsoft.com/office/drawing/2014/main" id="{EA11F481-C1DE-9B1F-C25D-EE3DD0EBCE81}"/>
               </a:ext>
             </a:extLst>
           </p:cNvPr>
@@ -840,7 +840,7 @@
           <p:cNvPr id="4" name="日期占位符 3">
             <a:extLst>
               <a:ext uri="{FF2B5EF4-FFF2-40B4-BE49-F238E27FC236}">
-                <a16:creationId xmlns:a16="http://schemas.microsoft.com/office/drawing/2014/main" id="{F3C4B1D2-84FC-72FA-7A32-DC1EAB393FC0}"/>
+                <a16:creationId xmlns:a16="http://schemas.microsoft.com/office/drawing/2014/main" id="{01FB9D86-128B-722F-0F6B-DF25A7A18366}"/>
               </a:ext>
             </a:extLst>
           </p:cNvPr>
@@ -856,7 +856,7 @@
           <a:bodyPr/>
           <a:lstStyle/>
           <a:p>
-            <a:fld id="{B095B97A-5A1E-480D-8FE2-1B76FDBCC77A}" type="datetimeFigureOut">
+            <a:fld id="{1334D18F-C1DC-43AE-9E61-E629744312C3}" type="datetimeFigureOut">
               <a:rPr lang="zh-CN" altLang="en-US" smtClean="0"/>
               <a:t>2024/3/10</a:t>
             </a:fld>
@@ -869,7 +869,7 @@
           <p:cNvPr id="5" name="页脚占位符 4">
             <a:extLst>
               <a:ext uri="{FF2B5EF4-FFF2-40B4-BE49-F238E27FC236}">
-                <a16:creationId xmlns:a16="http://schemas.microsoft.com/office/drawing/2014/main" id="{4012A580-2211-EABA-65C2-DD4709960493}"/>
+                <a16:creationId xmlns:a16="http://schemas.microsoft.com/office/drawing/2014/main" id="{35920270-A84E-0A11-792C-E703DCAE0C86}"/>
               </a:ext>
             </a:extLst>
           </p:cNvPr>
@@ -894,7 +894,7 @@
           <p:cNvPr id="6" name="灯片编号占位符 5">
             <a:extLst>
               <a:ext uri="{FF2B5EF4-FFF2-40B4-BE49-F238E27FC236}">
-                <a16:creationId xmlns:a16="http://schemas.microsoft.com/office/drawing/2014/main" id="{A7708ACE-609A-A495-0297-C42FC5B7919C}"/>
+                <a16:creationId xmlns:a16="http://schemas.microsoft.com/office/drawing/2014/main" id="{03D94D6A-9BEA-CDD2-B496-49294467CCE5}"/>
               </a:ext>
             </a:extLst>
           </p:cNvPr>
@@ -910,7 +910,7 @@
           <a:bodyPr/>
           <a:lstStyle/>
           <a:p>
-            <a:fld id="{3D22117F-90AC-4E48-8E41-AAD90CE90F8B}" type="slidenum">
+            <a:fld id="{444F6F80-8035-4CD8-8F86-2DB254A67B9D}" type="slidenum">
               <a:rPr lang="zh-CN" altLang="en-US" smtClean="0"/>
               <a:t>‹#›</a:t>
             </a:fld>
@@ -921,7 +921,7 @@
     </p:spTree>
     <p:extLst>
       <p:ext uri="{BB962C8B-B14F-4D97-AF65-F5344CB8AC3E}">
-        <p14:creationId xmlns:p14="http://schemas.microsoft.com/office/powerpoint/2010/main" val="3771631230"/>
+        <p14:creationId xmlns:p14="http://schemas.microsoft.com/office/powerpoint/2010/main" val="2623929802"/>
       </p:ext>
     </p:extLst>
   </p:cSld>
@@ -953,7 +953,7 @@
           <p:cNvPr id="2" name="标题 1">
             <a:extLst>
               <a:ext uri="{FF2B5EF4-FFF2-40B4-BE49-F238E27FC236}">
-                <a16:creationId xmlns:a16="http://schemas.microsoft.com/office/drawing/2014/main" id="{5611F6BA-54E9-97BB-34F9-2DA462D2194C}"/>
+                <a16:creationId xmlns:a16="http://schemas.microsoft.com/office/drawing/2014/main" id="{7D7295DD-5901-ED37-C1F4-22DB89768BA7}"/>
               </a:ext>
             </a:extLst>
           </p:cNvPr>
@@ -990,7 +990,7 @@
           <p:cNvPr id="3" name="文本占位符 2">
             <a:extLst>
               <a:ext uri="{FF2B5EF4-FFF2-40B4-BE49-F238E27FC236}">
-                <a16:creationId xmlns:a16="http://schemas.microsoft.com/office/drawing/2014/main" id="{03D26708-731F-2EAF-939B-0ECD7EA1CAEF}"/>
+                <a16:creationId xmlns:a16="http://schemas.microsoft.com/office/drawing/2014/main" id="{6B9AEC52-E843-F755-758D-5999F1CD0292}"/>
               </a:ext>
             </a:extLst>
           </p:cNvPr>
@@ -1115,7 +1115,7 @@
           <p:cNvPr id="4" name="日期占位符 3">
             <a:extLst>
               <a:ext uri="{FF2B5EF4-FFF2-40B4-BE49-F238E27FC236}">
-                <a16:creationId xmlns:a16="http://schemas.microsoft.com/office/drawing/2014/main" id="{13918F0A-A577-0C30-5432-C174CE57CB74}"/>
+                <a16:creationId xmlns:a16="http://schemas.microsoft.com/office/drawing/2014/main" id="{9E6532FE-CFFC-AB49-5588-50F578902A13}"/>
               </a:ext>
             </a:extLst>
           </p:cNvPr>
@@ -1131,7 +1131,7 @@
           <a:bodyPr/>
           <a:lstStyle/>
           <a:p>
-            <a:fld id="{B095B97A-5A1E-480D-8FE2-1B76FDBCC77A}" type="datetimeFigureOut">
+            <a:fld id="{1334D18F-C1DC-43AE-9E61-E629744312C3}" type="datetimeFigureOut">
               <a:rPr lang="zh-CN" altLang="en-US" smtClean="0"/>
               <a:t>2024/3/10</a:t>
             </a:fld>
@@ -1144,7 +1144,7 @@
           <p:cNvPr id="5" name="页脚占位符 4">
             <a:extLst>
               <a:ext uri="{FF2B5EF4-FFF2-40B4-BE49-F238E27FC236}">
-                <a16:creationId xmlns:a16="http://schemas.microsoft.com/office/drawing/2014/main" id="{05478DD5-C9B9-89C7-6495-8538AB1E3AD4}"/>
+                <a16:creationId xmlns:a16="http://schemas.microsoft.com/office/drawing/2014/main" id="{1B39EA86-1849-9F7B-5AB0-1B1C27123B2C}"/>
               </a:ext>
             </a:extLst>
           </p:cNvPr>
@@ -1169,7 +1169,7 @@
           <p:cNvPr id="6" name="灯片编号占位符 5">
             <a:extLst>
               <a:ext uri="{FF2B5EF4-FFF2-40B4-BE49-F238E27FC236}">
-                <a16:creationId xmlns:a16="http://schemas.microsoft.com/office/drawing/2014/main" id="{6D8435E8-B19E-FEEA-4FA6-9B39D1902053}"/>
+                <a16:creationId xmlns:a16="http://schemas.microsoft.com/office/drawing/2014/main" id="{EED279E8-70C0-DBD4-2E06-86E1F2D2CC01}"/>
               </a:ext>
             </a:extLst>
           </p:cNvPr>
@@ -1185,7 +1185,7 @@
           <a:bodyPr/>
           <a:lstStyle/>
           <a:p>
-            <a:fld id="{3D22117F-90AC-4E48-8E41-AAD90CE90F8B}" type="slidenum">
+            <a:fld id="{444F6F80-8035-4CD8-8F86-2DB254A67B9D}" type="slidenum">
               <a:rPr lang="zh-CN" altLang="en-US" smtClean="0"/>
               <a:t>‹#›</a:t>
             </a:fld>
@@ -1196,7 +1196,7 @@
     </p:spTree>
     <p:extLst>
       <p:ext uri="{BB962C8B-B14F-4D97-AF65-F5344CB8AC3E}">
-        <p14:creationId xmlns:p14="http://schemas.microsoft.com/office/powerpoint/2010/main" val="322128144"/>
+        <p14:creationId xmlns:p14="http://schemas.microsoft.com/office/powerpoint/2010/main" val="3680306654"/>
       </p:ext>
     </p:extLst>
   </p:cSld>
@@ -1228,7 +1228,7 @@
           <p:cNvPr id="2" name="标题 1">
             <a:extLst>
               <a:ext uri="{FF2B5EF4-FFF2-40B4-BE49-F238E27FC236}">
-                <a16:creationId xmlns:a16="http://schemas.microsoft.com/office/drawing/2014/main" id="{62873BF8-324C-C1E2-1110-D69C25ACBF41}"/>
+                <a16:creationId xmlns:a16="http://schemas.microsoft.com/office/drawing/2014/main" id="{86E6B4E9-7EB8-44C7-3441-8DBD0424F70C}"/>
               </a:ext>
             </a:extLst>
           </p:cNvPr>
@@ -1256,7 +1256,7 @@
           <p:cNvPr id="3" name="内容占位符 2">
             <a:extLst>
               <a:ext uri="{FF2B5EF4-FFF2-40B4-BE49-F238E27FC236}">
-                <a16:creationId xmlns:a16="http://schemas.microsoft.com/office/drawing/2014/main" id="{0B2FB79E-4B4F-F9B4-F9F5-3D566406EC14}"/>
+                <a16:creationId xmlns:a16="http://schemas.microsoft.com/office/drawing/2014/main" id="{D17B1E95-78EB-D9A0-4F67-3B4F9F6B060A}"/>
               </a:ext>
             </a:extLst>
           </p:cNvPr>
@@ -1318,7 +1318,7 @@
           <p:cNvPr id="4" name="内容占位符 3">
             <a:extLst>
               <a:ext uri="{FF2B5EF4-FFF2-40B4-BE49-F238E27FC236}">
-                <a16:creationId xmlns:a16="http://schemas.microsoft.com/office/drawing/2014/main" id="{F8378A44-3FCA-B8AB-8A0C-582D6794FAAF}"/>
+                <a16:creationId xmlns:a16="http://schemas.microsoft.com/office/drawing/2014/main" id="{787FD524-C0F6-E1D2-C297-11B15D755D18}"/>
               </a:ext>
             </a:extLst>
           </p:cNvPr>
@@ -1380,7 +1380,7 @@
           <p:cNvPr id="5" name="日期占位符 4">
             <a:extLst>
               <a:ext uri="{FF2B5EF4-FFF2-40B4-BE49-F238E27FC236}">
-                <a16:creationId xmlns:a16="http://schemas.microsoft.com/office/drawing/2014/main" id="{B22E6D89-6895-FB5A-E04D-FCB7964C93AD}"/>
+                <a16:creationId xmlns:a16="http://schemas.microsoft.com/office/drawing/2014/main" id="{D4ECEBCD-A262-1015-18CB-5063BA1CC88D}"/>
               </a:ext>
             </a:extLst>
           </p:cNvPr>
@@ -1396,7 +1396,7 @@
           <a:bodyPr/>
           <a:lstStyle/>
           <a:p>
-            <a:fld id="{B095B97A-5A1E-480D-8FE2-1B76FDBCC77A}" type="datetimeFigureOut">
+            <a:fld id="{1334D18F-C1DC-43AE-9E61-E629744312C3}" type="datetimeFigureOut">
               <a:rPr lang="zh-CN" altLang="en-US" smtClean="0"/>
               <a:t>2024/3/10</a:t>
             </a:fld>
@@ -1409,7 +1409,7 @@
           <p:cNvPr id="6" name="页脚占位符 5">
             <a:extLst>
               <a:ext uri="{FF2B5EF4-FFF2-40B4-BE49-F238E27FC236}">
-                <a16:creationId xmlns:a16="http://schemas.microsoft.com/office/drawing/2014/main" id="{29265384-C3C6-9AA6-848C-B2739079EFDF}"/>
+                <a16:creationId xmlns:a16="http://schemas.microsoft.com/office/drawing/2014/main" id="{EB279C9E-B135-0F1D-F2A4-39CB7180E163}"/>
               </a:ext>
             </a:extLst>
           </p:cNvPr>
@@ -1434,7 +1434,7 @@
           <p:cNvPr id="7" name="灯片编号占位符 6">
             <a:extLst>
               <a:ext uri="{FF2B5EF4-FFF2-40B4-BE49-F238E27FC236}">
-                <a16:creationId xmlns:a16="http://schemas.microsoft.com/office/drawing/2014/main" id="{4A0497B1-58A0-CC6A-E0A4-777F52233667}"/>
+                <a16:creationId xmlns:a16="http://schemas.microsoft.com/office/drawing/2014/main" id="{08D77F64-972B-C314-88B7-E3083739E69A}"/>
               </a:ext>
             </a:extLst>
           </p:cNvPr>
@@ -1450,7 +1450,7 @@
           <a:bodyPr/>
           <a:lstStyle/>
           <a:p>
-            <a:fld id="{3D22117F-90AC-4E48-8E41-AAD90CE90F8B}" type="slidenum">
+            <a:fld id="{444F6F80-8035-4CD8-8F86-2DB254A67B9D}" type="slidenum">
               <a:rPr lang="zh-CN" altLang="en-US" smtClean="0"/>
               <a:t>‹#›</a:t>
             </a:fld>
@@ -1461,7 +1461,7 @@
     </p:spTree>
     <p:extLst>
       <p:ext uri="{BB962C8B-B14F-4D97-AF65-F5344CB8AC3E}">
-        <p14:creationId xmlns:p14="http://schemas.microsoft.com/office/powerpoint/2010/main" val="3770065563"/>
+        <p14:creationId xmlns:p14="http://schemas.microsoft.com/office/powerpoint/2010/main" val="2541093303"/>
       </p:ext>
     </p:extLst>
   </p:cSld>
@@ -1493,7 +1493,7 @@
           <p:cNvPr id="2" name="标题 1">
             <a:extLst>
               <a:ext uri="{FF2B5EF4-FFF2-40B4-BE49-F238E27FC236}">
-                <a16:creationId xmlns:a16="http://schemas.microsoft.com/office/drawing/2014/main" id="{6FD21120-CBB8-6FF4-9E0F-6847053CAB00}"/>
+                <a16:creationId xmlns:a16="http://schemas.microsoft.com/office/drawing/2014/main" id="{6A2B240C-838B-881C-C8EB-B5D999B3DCDE}"/>
               </a:ext>
             </a:extLst>
           </p:cNvPr>
@@ -1526,7 +1526,7 @@
           <p:cNvPr id="3" name="文本占位符 2">
             <a:extLst>
               <a:ext uri="{FF2B5EF4-FFF2-40B4-BE49-F238E27FC236}">
-                <a16:creationId xmlns:a16="http://schemas.microsoft.com/office/drawing/2014/main" id="{4D68F9F8-FAD5-D055-889D-D4C448B9E5F3}"/>
+                <a16:creationId xmlns:a16="http://schemas.microsoft.com/office/drawing/2014/main" id="{BA0075FF-0F7F-1D16-010C-5F3F8EA7D589}"/>
               </a:ext>
             </a:extLst>
           </p:cNvPr>
@@ -1597,7 +1597,7 @@
           <p:cNvPr id="4" name="内容占位符 3">
             <a:extLst>
               <a:ext uri="{FF2B5EF4-FFF2-40B4-BE49-F238E27FC236}">
-                <a16:creationId xmlns:a16="http://schemas.microsoft.com/office/drawing/2014/main" id="{5BD3B4F8-4CE8-7623-7E9B-45A6F95B6348}"/>
+                <a16:creationId xmlns:a16="http://schemas.microsoft.com/office/drawing/2014/main" id="{685E44A6-D0C8-C6D6-A618-705D8877514D}"/>
               </a:ext>
             </a:extLst>
           </p:cNvPr>
@@ -1659,7 +1659,7 @@
           <p:cNvPr id="5" name="文本占位符 4">
             <a:extLst>
               <a:ext uri="{FF2B5EF4-FFF2-40B4-BE49-F238E27FC236}">
-                <a16:creationId xmlns:a16="http://schemas.microsoft.com/office/drawing/2014/main" id="{C67FC816-A206-1652-0B95-BE45DBC60A27}"/>
+                <a16:creationId xmlns:a16="http://schemas.microsoft.com/office/drawing/2014/main" id="{95D99126-784C-8590-8E00-300884E60231}"/>
               </a:ext>
             </a:extLst>
           </p:cNvPr>
@@ -1730,7 +1730,7 @@
           <p:cNvPr id="6" name="内容占位符 5">
             <a:extLst>
               <a:ext uri="{FF2B5EF4-FFF2-40B4-BE49-F238E27FC236}">
-                <a16:creationId xmlns:a16="http://schemas.microsoft.com/office/drawing/2014/main" id="{BCAA9E90-EF35-A847-D0F1-3CDC8D290BE4}"/>
+                <a16:creationId xmlns:a16="http://schemas.microsoft.com/office/drawing/2014/main" id="{498D3A84-10D8-7592-1EB1-0259B65DD2F7}"/>
               </a:ext>
             </a:extLst>
           </p:cNvPr>
@@ -1792,7 +1792,7 @@
           <p:cNvPr id="7" name="日期占位符 6">
             <a:extLst>
               <a:ext uri="{FF2B5EF4-FFF2-40B4-BE49-F238E27FC236}">
-                <a16:creationId xmlns:a16="http://schemas.microsoft.com/office/drawing/2014/main" id="{3D1F996F-5CAF-8020-1F46-6B1B6201C993}"/>
+                <a16:creationId xmlns:a16="http://schemas.microsoft.com/office/drawing/2014/main" id="{2738CFA0-47B0-F311-9051-BA1D934DDA0D}"/>
               </a:ext>
             </a:extLst>
           </p:cNvPr>
@@ -1808,7 +1808,7 @@
           <a:bodyPr/>
           <a:lstStyle/>
           <a:p>
-            <a:fld id="{B095B97A-5A1E-480D-8FE2-1B76FDBCC77A}" type="datetimeFigureOut">
+            <a:fld id="{1334D18F-C1DC-43AE-9E61-E629744312C3}" type="datetimeFigureOut">
               <a:rPr lang="zh-CN" altLang="en-US" smtClean="0"/>
               <a:t>2024/3/10</a:t>
             </a:fld>
@@ -1821,7 +1821,7 @@
           <p:cNvPr id="8" name="页脚占位符 7">
             <a:extLst>
               <a:ext uri="{FF2B5EF4-FFF2-40B4-BE49-F238E27FC236}">
-                <a16:creationId xmlns:a16="http://schemas.microsoft.com/office/drawing/2014/main" id="{B55F6660-36F8-B011-9179-FD5C8B07D8C4}"/>
+                <a16:creationId xmlns:a16="http://schemas.microsoft.com/office/drawing/2014/main" id="{DF1526FC-C96C-176B-F1BA-D9BE422C2E65}"/>
               </a:ext>
             </a:extLst>
           </p:cNvPr>
@@ -1846,7 +1846,7 @@
           <p:cNvPr id="9" name="灯片编号占位符 8">
             <a:extLst>
               <a:ext uri="{FF2B5EF4-FFF2-40B4-BE49-F238E27FC236}">
-                <a16:creationId xmlns:a16="http://schemas.microsoft.com/office/drawing/2014/main" id="{70549ED6-C585-FA4A-37C0-171D2C359E11}"/>
+                <a16:creationId xmlns:a16="http://schemas.microsoft.com/office/drawing/2014/main" id="{A5EFF878-1EDE-270D-22F9-FFEE6A931BEA}"/>
               </a:ext>
             </a:extLst>
           </p:cNvPr>
@@ -1862,7 +1862,7 @@
           <a:bodyPr/>
           <a:lstStyle/>
           <a:p>
-            <a:fld id="{3D22117F-90AC-4E48-8E41-AAD90CE90F8B}" type="slidenum">
+            <a:fld id="{444F6F80-8035-4CD8-8F86-2DB254A67B9D}" type="slidenum">
               <a:rPr lang="zh-CN" altLang="en-US" smtClean="0"/>
               <a:t>‹#›</a:t>
             </a:fld>
@@ -1873,7 +1873,7 @@
     </p:spTree>
     <p:extLst>
       <p:ext uri="{BB962C8B-B14F-4D97-AF65-F5344CB8AC3E}">
-        <p14:creationId xmlns:p14="http://schemas.microsoft.com/office/powerpoint/2010/main" val="3938842371"/>
+        <p14:creationId xmlns:p14="http://schemas.microsoft.com/office/powerpoint/2010/main" val="1030970918"/>
       </p:ext>
     </p:extLst>
   </p:cSld>
@@ -1905,7 +1905,7 @@
           <p:cNvPr id="2" name="标题 1">
             <a:extLst>
               <a:ext uri="{FF2B5EF4-FFF2-40B4-BE49-F238E27FC236}">
-                <a16:creationId xmlns:a16="http://schemas.microsoft.com/office/drawing/2014/main" id="{29A7F28D-3804-833F-A1A0-074370B0ADE3}"/>
+                <a16:creationId xmlns:a16="http://schemas.microsoft.com/office/drawing/2014/main" id="{7E913F6D-1CFB-7985-21CC-B36E96290733}"/>
               </a:ext>
             </a:extLst>
           </p:cNvPr>
@@ -1933,7 +1933,7 @@
           <p:cNvPr id="3" name="日期占位符 2">
             <a:extLst>
               <a:ext uri="{FF2B5EF4-FFF2-40B4-BE49-F238E27FC236}">
-                <a16:creationId xmlns:a16="http://schemas.microsoft.com/office/drawing/2014/main" id="{552BA263-7008-B63B-3F83-01E68D9C22B2}"/>
+                <a16:creationId xmlns:a16="http://schemas.microsoft.com/office/drawing/2014/main" id="{8EC1973A-EB8F-EA4E-AE5D-5D676F687679}"/>
               </a:ext>
             </a:extLst>
           </p:cNvPr>
@@ -1949,7 +1949,7 @@
           <a:bodyPr/>
           <a:lstStyle/>
           <a:p>
-            <a:fld id="{B095B97A-5A1E-480D-8FE2-1B76FDBCC77A}" type="datetimeFigureOut">
+            <a:fld id="{1334D18F-C1DC-43AE-9E61-E629744312C3}" type="datetimeFigureOut">
               <a:rPr lang="zh-CN" altLang="en-US" smtClean="0"/>
               <a:t>2024/3/10</a:t>
             </a:fld>
@@ -1962,7 +1962,7 @@
           <p:cNvPr id="4" name="页脚占位符 3">
             <a:extLst>
               <a:ext uri="{FF2B5EF4-FFF2-40B4-BE49-F238E27FC236}">
-                <a16:creationId xmlns:a16="http://schemas.microsoft.com/office/drawing/2014/main" id="{2C37F7FF-A9D0-5DD0-1311-FD11E3067CB0}"/>
+                <a16:creationId xmlns:a16="http://schemas.microsoft.com/office/drawing/2014/main" id="{C96DD469-1C6B-3175-C3DF-A2C0EC03099F}"/>
               </a:ext>
             </a:extLst>
           </p:cNvPr>
@@ -1987,7 +1987,7 @@
           <p:cNvPr id="5" name="灯片编号占位符 4">
             <a:extLst>
               <a:ext uri="{FF2B5EF4-FFF2-40B4-BE49-F238E27FC236}">
-                <a16:creationId xmlns:a16="http://schemas.microsoft.com/office/drawing/2014/main" id="{DEABD9C9-AB0A-F235-2806-77D69EF04B32}"/>
+                <a16:creationId xmlns:a16="http://schemas.microsoft.com/office/drawing/2014/main" id="{16EA0646-440B-AC84-C634-7AAA176E9CDC}"/>
               </a:ext>
             </a:extLst>
           </p:cNvPr>
@@ -2003,7 +2003,7 @@
           <a:bodyPr/>
           <a:lstStyle/>
           <a:p>
-            <a:fld id="{3D22117F-90AC-4E48-8E41-AAD90CE90F8B}" type="slidenum">
+            <a:fld id="{444F6F80-8035-4CD8-8F86-2DB254A67B9D}" type="slidenum">
               <a:rPr lang="zh-CN" altLang="en-US" smtClean="0"/>
               <a:t>‹#›</a:t>
             </a:fld>
@@ -2014,7 +2014,7 @@
     </p:spTree>
     <p:extLst>
       <p:ext uri="{BB962C8B-B14F-4D97-AF65-F5344CB8AC3E}">
-        <p14:creationId xmlns:p14="http://schemas.microsoft.com/office/powerpoint/2010/main" val="2138908491"/>
+        <p14:creationId xmlns:p14="http://schemas.microsoft.com/office/powerpoint/2010/main" val="2476853568"/>
       </p:ext>
     </p:extLst>
   </p:cSld>
@@ -2046,7 +2046,7 @@
           <p:cNvPr id="2" name="日期占位符 1">
             <a:extLst>
               <a:ext uri="{FF2B5EF4-FFF2-40B4-BE49-F238E27FC236}">
-                <a16:creationId xmlns:a16="http://schemas.microsoft.com/office/drawing/2014/main" id="{2985E1C9-9117-4465-B477-F3D655C54E42}"/>
+                <a16:creationId xmlns:a16="http://schemas.microsoft.com/office/drawing/2014/main" id="{83ADAA58-2E6A-6ECD-2F41-45AA3DA9C3EF}"/>
               </a:ext>
             </a:extLst>
           </p:cNvPr>
@@ -2062,7 +2062,7 @@
           <a:bodyPr/>
           <a:lstStyle/>
           <a:p>
-            <a:fld id="{B095B97A-5A1E-480D-8FE2-1B76FDBCC77A}" type="datetimeFigureOut">
+            <a:fld id="{1334D18F-C1DC-43AE-9E61-E629744312C3}" type="datetimeFigureOut">
               <a:rPr lang="zh-CN" altLang="en-US" smtClean="0"/>
               <a:t>2024/3/10</a:t>
             </a:fld>
@@ -2075,7 +2075,7 @@
           <p:cNvPr id="3" name="页脚占位符 2">
             <a:extLst>
               <a:ext uri="{FF2B5EF4-FFF2-40B4-BE49-F238E27FC236}">
-                <a16:creationId xmlns:a16="http://schemas.microsoft.com/office/drawing/2014/main" id="{62E422C9-2228-6CB2-DA38-9049B2B2F495}"/>
+                <a16:creationId xmlns:a16="http://schemas.microsoft.com/office/drawing/2014/main" id="{7EF077E8-53A2-BA21-5A71-06C8870321B1}"/>
               </a:ext>
             </a:extLst>
           </p:cNvPr>
@@ -2100,7 +2100,7 @@
           <p:cNvPr id="4" name="灯片编号占位符 3">
             <a:extLst>
               <a:ext uri="{FF2B5EF4-FFF2-40B4-BE49-F238E27FC236}">
-                <a16:creationId xmlns:a16="http://schemas.microsoft.com/office/drawing/2014/main" id="{12BEA7D4-DDA0-6FB4-EB72-DD9E40EE9B17}"/>
+                <a16:creationId xmlns:a16="http://schemas.microsoft.com/office/drawing/2014/main" id="{B5A8DFC8-A69D-2DF2-39F2-FCDDF136151C}"/>
               </a:ext>
             </a:extLst>
           </p:cNvPr>
@@ -2116,7 +2116,7 @@
           <a:bodyPr/>
           <a:lstStyle/>
           <a:p>
-            <a:fld id="{3D22117F-90AC-4E48-8E41-AAD90CE90F8B}" type="slidenum">
+            <a:fld id="{444F6F80-8035-4CD8-8F86-2DB254A67B9D}" type="slidenum">
               <a:rPr lang="zh-CN" altLang="en-US" smtClean="0"/>
               <a:t>‹#›</a:t>
             </a:fld>
@@ -2127,7 +2127,7 @@
     </p:spTree>
     <p:extLst>
       <p:ext uri="{BB962C8B-B14F-4D97-AF65-F5344CB8AC3E}">
-        <p14:creationId xmlns:p14="http://schemas.microsoft.com/office/powerpoint/2010/main" val="4213876988"/>
+        <p14:creationId xmlns:p14="http://schemas.microsoft.com/office/powerpoint/2010/main" val="3721149310"/>
       </p:ext>
     </p:extLst>
   </p:cSld>
@@ -2159,7 +2159,7 @@
           <p:cNvPr id="2" name="标题 1">
             <a:extLst>
               <a:ext uri="{FF2B5EF4-FFF2-40B4-BE49-F238E27FC236}">
-                <a16:creationId xmlns:a16="http://schemas.microsoft.com/office/drawing/2014/main" id="{C6E7946D-0AFD-3255-E19B-EA3287FB5526}"/>
+                <a16:creationId xmlns:a16="http://schemas.microsoft.com/office/drawing/2014/main" id="{F8A6511E-444F-F6B6-B142-E7B52F276E0F}"/>
               </a:ext>
             </a:extLst>
           </p:cNvPr>
@@ -2196,7 +2196,7 @@
           <p:cNvPr id="3" name="内容占位符 2">
             <a:extLst>
               <a:ext uri="{FF2B5EF4-FFF2-40B4-BE49-F238E27FC236}">
-                <a16:creationId xmlns:a16="http://schemas.microsoft.com/office/drawing/2014/main" id="{D6C5B057-4777-BA10-B31F-5357E783937B}"/>
+                <a16:creationId xmlns:a16="http://schemas.microsoft.com/office/drawing/2014/main" id="{8BC78E52-16D8-5BC6-5476-2CAF377C53CF}"/>
               </a:ext>
             </a:extLst>
           </p:cNvPr>
@@ -2286,7 +2286,7 @@
           <p:cNvPr id="4" name="文本占位符 3">
             <a:extLst>
               <a:ext uri="{FF2B5EF4-FFF2-40B4-BE49-F238E27FC236}">
-                <a16:creationId xmlns:a16="http://schemas.microsoft.com/office/drawing/2014/main" id="{FC05C41A-FB25-162F-B0E7-D8F5D282C6F7}"/>
+                <a16:creationId xmlns:a16="http://schemas.microsoft.com/office/drawing/2014/main" id="{53EBA451-39B6-B750-F94A-E877574ADC99}"/>
               </a:ext>
             </a:extLst>
           </p:cNvPr>
@@ -2357,7 +2357,7 @@
           <p:cNvPr id="5" name="日期占位符 4">
             <a:extLst>
               <a:ext uri="{FF2B5EF4-FFF2-40B4-BE49-F238E27FC236}">
-                <a16:creationId xmlns:a16="http://schemas.microsoft.com/office/drawing/2014/main" id="{FD13A93A-0D8E-F140-8516-AE1BC19C00CC}"/>
+                <a16:creationId xmlns:a16="http://schemas.microsoft.com/office/drawing/2014/main" id="{8CE74287-BCD9-4729-BE66-5D10148AE278}"/>
               </a:ext>
             </a:extLst>
           </p:cNvPr>
@@ -2373,7 +2373,7 @@
           <a:bodyPr/>
           <a:lstStyle/>
           <a:p>
-            <a:fld id="{B095B97A-5A1E-480D-8FE2-1B76FDBCC77A}" type="datetimeFigureOut">
+            <a:fld id="{1334D18F-C1DC-43AE-9E61-E629744312C3}" type="datetimeFigureOut">
               <a:rPr lang="zh-CN" altLang="en-US" smtClean="0"/>
               <a:t>2024/3/10</a:t>
             </a:fld>
@@ -2386,7 +2386,7 @@
           <p:cNvPr id="6" name="页脚占位符 5">
             <a:extLst>
               <a:ext uri="{FF2B5EF4-FFF2-40B4-BE49-F238E27FC236}">
-                <a16:creationId xmlns:a16="http://schemas.microsoft.com/office/drawing/2014/main" id="{D936494E-4DE2-3657-CB46-3316BBF24141}"/>
+                <a16:creationId xmlns:a16="http://schemas.microsoft.com/office/drawing/2014/main" id="{C1161504-E69F-5AE3-A57F-112A895F9D74}"/>
               </a:ext>
             </a:extLst>
           </p:cNvPr>
@@ -2411,7 +2411,7 @@
           <p:cNvPr id="7" name="灯片编号占位符 6">
             <a:extLst>
               <a:ext uri="{FF2B5EF4-FFF2-40B4-BE49-F238E27FC236}">
-                <a16:creationId xmlns:a16="http://schemas.microsoft.com/office/drawing/2014/main" id="{990F0BC8-ADDF-889E-A355-7A6837DAF730}"/>
+                <a16:creationId xmlns:a16="http://schemas.microsoft.com/office/drawing/2014/main" id="{60B37402-3676-48F8-0917-5055AF9D4ED2}"/>
               </a:ext>
             </a:extLst>
           </p:cNvPr>
@@ -2427,7 +2427,7 @@
           <a:bodyPr/>
           <a:lstStyle/>
           <a:p>
-            <a:fld id="{3D22117F-90AC-4E48-8E41-AAD90CE90F8B}" type="slidenum">
+            <a:fld id="{444F6F80-8035-4CD8-8F86-2DB254A67B9D}" type="slidenum">
               <a:rPr lang="zh-CN" altLang="en-US" smtClean="0"/>
               <a:t>‹#›</a:t>
             </a:fld>
@@ -2438,7 +2438,7 @@
     </p:spTree>
     <p:extLst>
       <p:ext uri="{BB962C8B-B14F-4D97-AF65-F5344CB8AC3E}">
-        <p14:creationId xmlns:p14="http://schemas.microsoft.com/office/powerpoint/2010/main" val="3659570801"/>
+        <p14:creationId xmlns:p14="http://schemas.microsoft.com/office/powerpoint/2010/main" val="853463336"/>
       </p:ext>
     </p:extLst>
   </p:cSld>
@@ -2470,7 +2470,7 @@
           <p:cNvPr id="2" name="标题 1">
             <a:extLst>
               <a:ext uri="{FF2B5EF4-FFF2-40B4-BE49-F238E27FC236}">
-                <a16:creationId xmlns:a16="http://schemas.microsoft.com/office/drawing/2014/main" id="{D0A2962D-67A4-84F8-1DD9-1746613CEC06}"/>
+                <a16:creationId xmlns:a16="http://schemas.microsoft.com/office/drawing/2014/main" id="{976FA6CB-5BA5-8E74-6B04-046E92A5EE29}"/>
               </a:ext>
             </a:extLst>
           </p:cNvPr>
@@ -2507,7 +2507,7 @@
           <p:cNvPr id="3" name="图片占位符 2">
             <a:extLst>
               <a:ext uri="{FF2B5EF4-FFF2-40B4-BE49-F238E27FC236}">
-                <a16:creationId xmlns:a16="http://schemas.microsoft.com/office/drawing/2014/main" id="{023ABF6A-EEA9-6631-3E1B-3772F3481569}"/>
+                <a16:creationId xmlns:a16="http://schemas.microsoft.com/office/drawing/2014/main" id="{96D02552-ACF0-59A7-DC13-E58B6B92B986}"/>
               </a:ext>
             </a:extLst>
           </p:cNvPr>
@@ -2574,7 +2574,7 @@
           <p:cNvPr id="4" name="文本占位符 3">
             <a:extLst>
               <a:ext uri="{FF2B5EF4-FFF2-40B4-BE49-F238E27FC236}">
-                <a16:creationId xmlns:a16="http://schemas.microsoft.com/office/drawing/2014/main" id="{A5FA6696-5D61-12BF-C055-8A23E35A44F8}"/>
+                <a16:creationId xmlns:a16="http://schemas.microsoft.com/office/drawing/2014/main" id="{E4E8E103-71D2-24A3-D6B7-86210A0641DB}"/>
               </a:ext>
             </a:extLst>
           </p:cNvPr>
@@ -2645,7 +2645,7 @@
           <p:cNvPr id="5" name="日期占位符 4">
             <a:extLst>
               <a:ext uri="{FF2B5EF4-FFF2-40B4-BE49-F238E27FC236}">
-                <a16:creationId xmlns:a16="http://schemas.microsoft.com/office/drawing/2014/main" id="{C645CCC8-529A-28AC-49DB-72D2E695074E}"/>
+                <a16:creationId xmlns:a16="http://schemas.microsoft.com/office/drawing/2014/main" id="{D3809019-4761-B33D-637C-3D6A0DB1C981}"/>
               </a:ext>
             </a:extLst>
           </p:cNvPr>
@@ -2661,7 +2661,7 @@
           <a:bodyPr/>
           <a:lstStyle/>
           <a:p>
-            <a:fld id="{B095B97A-5A1E-480D-8FE2-1B76FDBCC77A}" type="datetimeFigureOut">
+            <a:fld id="{1334D18F-C1DC-43AE-9E61-E629744312C3}" type="datetimeFigureOut">
               <a:rPr lang="zh-CN" altLang="en-US" smtClean="0"/>
               <a:t>2024/3/10</a:t>
             </a:fld>
@@ -2674,7 +2674,7 @@
           <p:cNvPr id="6" name="页脚占位符 5">
             <a:extLst>
               <a:ext uri="{FF2B5EF4-FFF2-40B4-BE49-F238E27FC236}">
-                <a16:creationId xmlns:a16="http://schemas.microsoft.com/office/drawing/2014/main" id="{894F6A39-CF34-2728-3E80-76A32EB2BC6D}"/>
+                <a16:creationId xmlns:a16="http://schemas.microsoft.com/office/drawing/2014/main" id="{C910F468-D1E1-4077-2632-020AA9737FA1}"/>
               </a:ext>
             </a:extLst>
           </p:cNvPr>
@@ -2699,7 +2699,7 @@
           <p:cNvPr id="7" name="灯片编号占位符 6">
             <a:extLst>
               <a:ext uri="{FF2B5EF4-FFF2-40B4-BE49-F238E27FC236}">
-                <a16:creationId xmlns:a16="http://schemas.microsoft.com/office/drawing/2014/main" id="{2203C8E0-2D00-224F-B071-C50A0817D4FC}"/>
+                <a16:creationId xmlns:a16="http://schemas.microsoft.com/office/drawing/2014/main" id="{C6055C7B-DF1D-2E72-0ECF-7B1311FE25D5}"/>
               </a:ext>
             </a:extLst>
           </p:cNvPr>
@@ -2715,7 +2715,7 @@
           <a:bodyPr/>
           <a:lstStyle/>
           <a:p>
-            <a:fld id="{3D22117F-90AC-4E48-8E41-AAD90CE90F8B}" type="slidenum">
+            <a:fld id="{444F6F80-8035-4CD8-8F86-2DB254A67B9D}" type="slidenum">
               <a:rPr lang="zh-CN" altLang="en-US" smtClean="0"/>
               <a:t>‹#›</a:t>
             </a:fld>
@@ -2726,7 +2726,7 @@
     </p:spTree>
     <p:extLst>
       <p:ext uri="{BB962C8B-B14F-4D97-AF65-F5344CB8AC3E}">
-        <p14:creationId xmlns:p14="http://schemas.microsoft.com/office/powerpoint/2010/main" val="1473094781"/>
+        <p14:creationId xmlns:p14="http://schemas.microsoft.com/office/powerpoint/2010/main" val="3812095982"/>
       </p:ext>
     </p:extLst>
   </p:cSld>
@@ -2763,7 +2763,7 @@
           <p:cNvPr id="2" name="标题占位符 1">
             <a:extLst>
               <a:ext uri="{FF2B5EF4-FFF2-40B4-BE49-F238E27FC236}">
-                <a16:creationId xmlns:a16="http://schemas.microsoft.com/office/drawing/2014/main" id="{B4DA0C68-195E-A820-5553-788C9F65FC72}"/>
+                <a16:creationId xmlns:a16="http://schemas.microsoft.com/office/drawing/2014/main" id="{986ED54B-DABF-94F1-DEC9-6A9EC84F7B23}"/>
               </a:ext>
             </a:extLst>
           </p:cNvPr>
@@ -2801,7 +2801,7 @@
           <p:cNvPr id="3" name="文本占位符 2">
             <a:extLst>
               <a:ext uri="{FF2B5EF4-FFF2-40B4-BE49-F238E27FC236}">
-                <a16:creationId xmlns:a16="http://schemas.microsoft.com/office/drawing/2014/main" id="{DD3DC11B-5DD5-3297-4AE5-39870ACD760A}"/>
+                <a16:creationId xmlns:a16="http://schemas.microsoft.com/office/drawing/2014/main" id="{CFDB9615-6A98-5DB1-B2DD-8338C31B5A89}"/>
               </a:ext>
             </a:extLst>
           </p:cNvPr>
@@ -2868,7 +2868,7 @@
           <p:cNvPr id="4" name="日期占位符 3">
             <a:extLst>
               <a:ext uri="{FF2B5EF4-FFF2-40B4-BE49-F238E27FC236}">
-                <a16:creationId xmlns:a16="http://schemas.microsoft.com/office/drawing/2014/main" id="{5FFD74CE-0C50-379E-88AA-27B02E4C5040}"/>
+                <a16:creationId xmlns:a16="http://schemas.microsoft.com/office/drawing/2014/main" id="{A9A45709-900A-F40F-969D-C41F65A5DFED}"/>
               </a:ext>
             </a:extLst>
           </p:cNvPr>
@@ -2902,7 +2902,7 @@
             </a:lvl1pPr>
           </a:lstStyle>
           <a:p>
-            <a:fld id="{B095B97A-5A1E-480D-8FE2-1B76FDBCC77A}" type="datetimeFigureOut">
+            <a:fld id="{1334D18F-C1DC-43AE-9E61-E629744312C3}" type="datetimeFigureOut">
               <a:rPr lang="zh-CN" altLang="en-US" smtClean="0"/>
               <a:t>2024/3/10</a:t>
             </a:fld>
@@ -2915,7 +2915,7 @@
           <p:cNvPr id="5" name="页脚占位符 4">
             <a:extLst>
               <a:ext uri="{FF2B5EF4-FFF2-40B4-BE49-F238E27FC236}">
-                <a16:creationId xmlns:a16="http://schemas.microsoft.com/office/drawing/2014/main" id="{12528487-BB9B-00F8-9C4D-5DF554B98DFB}"/>
+                <a16:creationId xmlns:a16="http://schemas.microsoft.com/office/drawing/2014/main" id="{C57577D6-B558-2112-FE18-D388EA633A18}"/>
               </a:ext>
             </a:extLst>
           </p:cNvPr>
@@ -2958,7 +2958,7 @@
           <p:cNvPr id="6" name="灯片编号占位符 5">
             <a:extLst>
               <a:ext uri="{FF2B5EF4-FFF2-40B4-BE49-F238E27FC236}">
-                <a16:creationId xmlns:a16="http://schemas.microsoft.com/office/drawing/2014/main" id="{BB487256-F428-9389-046C-D655DEF2C544}"/>
+                <a16:creationId xmlns:a16="http://schemas.microsoft.com/office/drawing/2014/main" id="{A3F1DBE2-7F6B-A157-01F4-BC2B83C8BCCA}"/>
               </a:ext>
             </a:extLst>
           </p:cNvPr>
@@ -2992,7 +2992,7 @@
             </a:lvl1pPr>
           </a:lstStyle>
           <a:p>
-            <a:fld id="{3D22117F-90AC-4E48-8E41-AAD90CE90F8B}" type="slidenum">
+            <a:fld id="{444F6F80-8035-4CD8-8F86-2DB254A67B9D}" type="slidenum">
               <a:rPr lang="zh-CN" altLang="en-US" smtClean="0"/>
               <a:t>‹#›</a:t>
             </a:fld>
@@ -3003,7 +3003,7 @@
     </p:spTree>
     <p:extLst>
       <p:ext uri="{BB962C8B-B14F-4D97-AF65-F5344CB8AC3E}">
-        <p14:creationId xmlns:p14="http://schemas.microsoft.com/office/powerpoint/2010/main" val="3368582144"/>
+        <p14:creationId xmlns:p14="http://schemas.microsoft.com/office/powerpoint/2010/main" val="1052644761"/>
       </p:ext>
     </p:extLst>
   </p:cSld>
